--- a/화면배치구성.pptx
+++ b/화면배치구성.pptx
@@ -3488,7 +3488,11 @@
           <a:p>
             <a:r>
               <a:rPr lang="en-US" altLang="ko-KR" dirty="0" smtClean="0"/>
-              <a:t>(30,30)</a:t>
+              <a:t>(50,50</a:t>
+            </a:r>
+            <a:r>
+              <a:rPr lang="en-US" altLang="ko-KR" dirty="0" smtClean="0"/>
+              <a:t>)</a:t>
             </a:r>
             <a:endParaRPr lang="ko-KR" altLang="en-US" dirty="0"/>
           </a:p>
@@ -3548,7 +3552,15 @@
           <a:p>
             <a:r>
               <a:rPr lang="en-US" altLang="ko-KR" dirty="0" smtClean="0"/>
-              <a:t>(1200,700)</a:t>
+              <a:t>(</a:t>
+            </a:r>
+            <a:r>
+              <a:rPr lang="en-US" altLang="ko-KR" dirty="0" smtClean="0"/>
+              <a:t>1400,700</a:t>
+            </a:r>
+            <a:r>
+              <a:rPr lang="en-US" altLang="ko-KR" dirty="0" smtClean="0"/>
+              <a:t>)</a:t>
             </a:r>
             <a:endParaRPr lang="ko-KR" altLang="en-US" dirty="0"/>
           </a:p>

--- a/화면배치구성.pptx
+++ b/화면배치구성.pptx
@@ -6,6 +6,7 @@
   </p:sldMasterIdLst>
   <p:sldIdLst>
     <p:sldId id="256" r:id="rId2"/>
+    <p:sldId id="257" r:id="rId3"/>
   </p:sldIdLst>
   <p:sldSz cx="9144000" cy="6858000" type="screen4x3"/>
   <p:notesSz cx="6858000" cy="9144000"/>
@@ -288,7 +289,8 @@
           <a:p>
             <a:fld id="{F6C1D796-6793-48B4-8678-D1716C42C339}" type="datetimeFigureOut">
               <a:rPr lang="ko-KR" altLang="en-US" smtClean="0"/>
-              <a:t>2014-07-19</a:t>
+              <a:pPr/>
+              <a:t>2014-07-20</a:t>
             </a:fld>
             <a:endParaRPr lang="ko-KR" altLang="en-US"/>
           </a:p>
@@ -330,6 +332,7 @@
           <a:p>
             <a:fld id="{9DD585ED-BCA3-4AF3-B4EC-13D21994217A}" type="slidenum">
               <a:rPr lang="ko-KR" altLang="en-US" smtClean="0"/>
+              <a:pPr/>
               <a:t>‹#›</a:t>
             </a:fld>
             <a:endParaRPr lang="ko-KR" altLang="en-US"/>
@@ -339,7 +342,7 @@
     </p:spTree>
     <p:extLst>
       <p:ext uri="{BB962C8B-B14F-4D97-AF65-F5344CB8AC3E}">
-        <p14:creationId xmlns:p14="http://schemas.microsoft.com/office/powerpoint/2010/main" val="3952195317"/>
+        <p14:creationId xmlns:p14="http://schemas.microsoft.com/office/powerpoint/2010/main" xmlns="" val="3952195317"/>
       </p:ext>
     </p:extLst>
   </p:cSld>
@@ -458,7 +461,8 @@
           <a:p>
             <a:fld id="{F6C1D796-6793-48B4-8678-D1716C42C339}" type="datetimeFigureOut">
               <a:rPr lang="ko-KR" altLang="en-US" smtClean="0"/>
-              <a:t>2014-07-19</a:t>
+              <a:pPr/>
+              <a:t>2014-07-20</a:t>
             </a:fld>
             <a:endParaRPr lang="ko-KR" altLang="en-US"/>
           </a:p>
@@ -500,6 +504,7 @@
           <a:p>
             <a:fld id="{9DD585ED-BCA3-4AF3-B4EC-13D21994217A}" type="slidenum">
               <a:rPr lang="ko-KR" altLang="en-US" smtClean="0"/>
+              <a:pPr/>
               <a:t>‹#›</a:t>
             </a:fld>
             <a:endParaRPr lang="ko-KR" altLang="en-US"/>
@@ -509,7 +514,7 @@
     </p:spTree>
     <p:extLst>
       <p:ext uri="{BB962C8B-B14F-4D97-AF65-F5344CB8AC3E}">
-        <p14:creationId xmlns:p14="http://schemas.microsoft.com/office/powerpoint/2010/main" val="1077790273"/>
+        <p14:creationId xmlns:p14="http://schemas.microsoft.com/office/powerpoint/2010/main" xmlns="" val="1077790273"/>
       </p:ext>
     </p:extLst>
   </p:cSld>
@@ -638,7 +643,8 @@
           <a:p>
             <a:fld id="{F6C1D796-6793-48B4-8678-D1716C42C339}" type="datetimeFigureOut">
               <a:rPr lang="ko-KR" altLang="en-US" smtClean="0"/>
-              <a:t>2014-07-19</a:t>
+              <a:pPr/>
+              <a:t>2014-07-20</a:t>
             </a:fld>
             <a:endParaRPr lang="ko-KR" altLang="en-US"/>
           </a:p>
@@ -680,6 +686,7 @@
           <a:p>
             <a:fld id="{9DD585ED-BCA3-4AF3-B4EC-13D21994217A}" type="slidenum">
               <a:rPr lang="ko-KR" altLang="en-US" smtClean="0"/>
+              <a:pPr/>
               <a:t>‹#›</a:t>
             </a:fld>
             <a:endParaRPr lang="ko-KR" altLang="en-US"/>
@@ -689,7 +696,7 @@
     </p:spTree>
     <p:extLst>
       <p:ext uri="{BB962C8B-B14F-4D97-AF65-F5344CB8AC3E}">
-        <p14:creationId xmlns:p14="http://schemas.microsoft.com/office/powerpoint/2010/main" val="2136594397"/>
+        <p14:creationId xmlns:p14="http://schemas.microsoft.com/office/powerpoint/2010/main" xmlns="" val="2136594397"/>
       </p:ext>
     </p:extLst>
   </p:cSld>
@@ -808,7 +815,8 @@
           <a:p>
             <a:fld id="{F6C1D796-6793-48B4-8678-D1716C42C339}" type="datetimeFigureOut">
               <a:rPr lang="ko-KR" altLang="en-US" smtClean="0"/>
-              <a:t>2014-07-19</a:t>
+              <a:pPr/>
+              <a:t>2014-07-20</a:t>
             </a:fld>
             <a:endParaRPr lang="ko-KR" altLang="en-US"/>
           </a:p>
@@ -850,6 +858,7 @@
           <a:p>
             <a:fld id="{9DD585ED-BCA3-4AF3-B4EC-13D21994217A}" type="slidenum">
               <a:rPr lang="ko-KR" altLang="en-US" smtClean="0"/>
+              <a:pPr/>
               <a:t>‹#›</a:t>
             </a:fld>
             <a:endParaRPr lang="ko-KR" altLang="en-US"/>
@@ -859,7 +868,7 @@
     </p:spTree>
     <p:extLst>
       <p:ext uri="{BB962C8B-B14F-4D97-AF65-F5344CB8AC3E}">
-        <p14:creationId xmlns:p14="http://schemas.microsoft.com/office/powerpoint/2010/main" val="971954508"/>
+        <p14:creationId xmlns:p14="http://schemas.microsoft.com/office/powerpoint/2010/main" xmlns="" val="971954508"/>
       </p:ext>
     </p:extLst>
   </p:cSld>
@@ -1054,7 +1063,8 @@
           <a:p>
             <a:fld id="{F6C1D796-6793-48B4-8678-D1716C42C339}" type="datetimeFigureOut">
               <a:rPr lang="ko-KR" altLang="en-US" smtClean="0"/>
-              <a:t>2014-07-19</a:t>
+              <a:pPr/>
+              <a:t>2014-07-20</a:t>
             </a:fld>
             <a:endParaRPr lang="ko-KR" altLang="en-US"/>
           </a:p>
@@ -1096,6 +1106,7 @@
           <a:p>
             <a:fld id="{9DD585ED-BCA3-4AF3-B4EC-13D21994217A}" type="slidenum">
               <a:rPr lang="ko-KR" altLang="en-US" smtClean="0"/>
+              <a:pPr/>
               <a:t>‹#›</a:t>
             </a:fld>
             <a:endParaRPr lang="ko-KR" altLang="en-US"/>
@@ -1105,7 +1116,7 @@
     </p:spTree>
     <p:extLst>
       <p:ext uri="{BB962C8B-B14F-4D97-AF65-F5344CB8AC3E}">
-        <p14:creationId xmlns:p14="http://schemas.microsoft.com/office/powerpoint/2010/main" val="3784598267"/>
+        <p14:creationId xmlns:p14="http://schemas.microsoft.com/office/powerpoint/2010/main" xmlns="" val="3784598267"/>
       </p:ext>
     </p:extLst>
   </p:cSld>
@@ -1342,7 +1353,8 @@
           <a:p>
             <a:fld id="{F6C1D796-6793-48B4-8678-D1716C42C339}" type="datetimeFigureOut">
               <a:rPr lang="ko-KR" altLang="en-US" smtClean="0"/>
-              <a:t>2014-07-19</a:t>
+              <a:pPr/>
+              <a:t>2014-07-20</a:t>
             </a:fld>
             <a:endParaRPr lang="ko-KR" altLang="en-US"/>
           </a:p>
@@ -1384,6 +1396,7 @@
           <a:p>
             <a:fld id="{9DD585ED-BCA3-4AF3-B4EC-13D21994217A}" type="slidenum">
               <a:rPr lang="ko-KR" altLang="en-US" smtClean="0"/>
+              <a:pPr/>
               <a:t>‹#›</a:t>
             </a:fld>
             <a:endParaRPr lang="ko-KR" altLang="en-US"/>
@@ -1393,7 +1406,7 @@
     </p:spTree>
     <p:extLst>
       <p:ext uri="{BB962C8B-B14F-4D97-AF65-F5344CB8AC3E}">
-        <p14:creationId xmlns:p14="http://schemas.microsoft.com/office/powerpoint/2010/main" val="2333325247"/>
+        <p14:creationId xmlns:p14="http://schemas.microsoft.com/office/powerpoint/2010/main" xmlns="" val="2333325247"/>
       </p:ext>
     </p:extLst>
   </p:cSld>
@@ -1764,7 +1777,8 @@
           <a:p>
             <a:fld id="{F6C1D796-6793-48B4-8678-D1716C42C339}" type="datetimeFigureOut">
               <a:rPr lang="ko-KR" altLang="en-US" smtClean="0"/>
-              <a:t>2014-07-19</a:t>
+              <a:pPr/>
+              <a:t>2014-07-20</a:t>
             </a:fld>
             <a:endParaRPr lang="ko-KR" altLang="en-US"/>
           </a:p>
@@ -1806,6 +1820,7 @@
           <a:p>
             <a:fld id="{9DD585ED-BCA3-4AF3-B4EC-13D21994217A}" type="slidenum">
               <a:rPr lang="ko-KR" altLang="en-US" smtClean="0"/>
+              <a:pPr/>
               <a:t>‹#›</a:t>
             </a:fld>
             <a:endParaRPr lang="ko-KR" altLang="en-US"/>
@@ -1815,7 +1830,7 @@
     </p:spTree>
     <p:extLst>
       <p:ext uri="{BB962C8B-B14F-4D97-AF65-F5344CB8AC3E}">
-        <p14:creationId xmlns:p14="http://schemas.microsoft.com/office/powerpoint/2010/main" val="1382397312"/>
+        <p14:creationId xmlns:p14="http://schemas.microsoft.com/office/powerpoint/2010/main" xmlns="" val="1382397312"/>
       </p:ext>
     </p:extLst>
   </p:cSld>
@@ -1882,7 +1897,8 @@
           <a:p>
             <a:fld id="{F6C1D796-6793-48B4-8678-D1716C42C339}" type="datetimeFigureOut">
               <a:rPr lang="ko-KR" altLang="en-US" smtClean="0"/>
-              <a:t>2014-07-19</a:t>
+              <a:pPr/>
+              <a:t>2014-07-20</a:t>
             </a:fld>
             <a:endParaRPr lang="ko-KR" altLang="en-US"/>
           </a:p>
@@ -1924,6 +1940,7 @@
           <a:p>
             <a:fld id="{9DD585ED-BCA3-4AF3-B4EC-13D21994217A}" type="slidenum">
               <a:rPr lang="ko-KR" altLang="en-US" smtClean="0"/>
+              <a:pPr/>
               <a:t>‹#›</a:t>
             </a:fld>
             <a:endParaRPr lang="ko-KR" altLang="en-US"/>
@@ -1933,7 +1950,7 @@
     </p:spTree>
     <p:extLst>
       <p:ext uri="{BB962C8B-B14F-4D97-AF65-F5344CB8AC3E}">
-        <p14:creationId xmlns:p14="http://schemas.microsoft.com/office/powerpoint/2010/main" val="2883542602"/>
+        <p14:creationId xmlns:p14="http://schemas.microsoft.com/office/powerpoint/2010/main" xmlns="" val="2883542602"/>
       </p:ext>
     </p:extLst>
   </p:cSld>
@@ -1977,7 +1994,8 @@
           <a:p>
             <a:fld id="{F6C1D796-6793-48B4-8678-D1716C42C339}" type="datetimeFigureOut">
               <a:rPr lang="ko-KR" altLang="en-US" smtClean="0"/>
-              <a:t>2014-07-19</a:t>
+              <a:pPr/>
+              <a:t>2014-07-20</a:t>
             </a:fld>
             <a:endParaRPr lang="ko-KR" altLang="en-US"/>
           </a:p>
@@ -2019,6 +2037,7 @@
           <a:p>
             <a:fld id="{9DD585ED-BCA3-4AF3-B4EC-13D21994217A}" type="slidenum">
               <a:rPr lang="ko-KR" altLang="en-US" smtClean="0"/>
+              <a:pPr/>
               <a:t>‹#›</a:t>
             </a:fld>
             <a:endParaRPr lang="ko-KR" altLang="en-US"/>
@@ -2028,7 +2047,7 @@
     </p:spTree>
     <p:extLst>
       <p:ext uri="{BB962C8B-B14F-4D97-AF65-F5344CB8AC3E}">
-        <p14:creationId xmlns:p14="http://schemas.microsoft.com/office/powerpoint/2010/main" val="241119483"/>
+        <p14:creationId xmlns:p14="http://schemas.microsoft.com/office/powerpoint/2010/main" xmlns="" val="241119483"/>
       </p:ext>
     </p:extLst>
   </p:cSld>
@@ -2254,7 +2273,8 @@
           <a:p>
             <a:fld id="{F6C1D796-6793-48B4-8678-D1716C42C339}" type="datetimeFigureOut">
               <a:rPr lang="ko-KR" altLang="en-US" smtClean="0"/>
-              <a:t>2014-07-19</a:t>
+              <a:pPr/>
+              <a:t>2014-07-20</a:t>
             </a:fld>
             <a:endParaRPr lang="ko-KR" altLang="en-US"/>
           </a:p>
@@ -2296,6 +2316,7 @@
           <a:p>
             <a:fld id="{9DD585ED-BCA3-4AF3-B4EC-13D21994217A}" type="slidenum">
               <a:rPr lang="ko-KR" altLang="en-US" smtClean="0"/>
+              <a:pPr/>
               <a:t>‹#›</a:t>
             </a:fld>
             <a:endParaRPr lang="ko-KR" altLang="en-US"/>
@@ -2305,7 +2326,7 @@
     </p:spTree>
     <p:extLst>
       <p:ext uri="{BB962C8B-B14F-4D97-AF65-F5344CB8AC3E}">
-        <p14:creationId xmlns:p14="http://schemas.microsoft.com/office/powerpoint/2010/main" val="1862309452"/>
+        <p14:creationId xmlns:p14="http://schemas.microsoft.com/office/powerpoint/2010/main" xmlns="" val="1862309452"/>
       </p:ext>
     </p:extLst>
   </p:cSld>
@@ -2507,7 +2528,8 @@
           <a:p>
             <a:fld id="{F6C1D796-6793-48B4-8678-D1716C42C339}" type="datetimeFigureOut">
               <a:rPr lang="ko-KR" altLang="en-US" smtClean="0"/>
-              <a:t>2014-07-19</a:t>
+              <a:pPr/>
+              <a:t>2014-07-20</a:t>
             </a:fld>
             <a:endParaRPr lang="ko-KR" altLang="en-US"/>
           </a:p>
@@ -2549,6 +2571,7 @@
           <a:p>
             <a:fld id="{9DD585ED-BCA3-4AF3-B4EC-13D21994217A}" type="slidenum">
               <a:rPr lang="ko-KR" altLang="en-US" smtClean="0"/>
+              <a:pPr/>
               <a:t>‹#›</a:t>
             </a:fld>
             <a:endParaRPr lang="ko-KR" altLang="en-US"/>
@@ -2558,7 +2581,7 @@
     </p:spTree>
     <p:extLst>
       <p:ext uri="{BB962C8B-B14F-4D97-AF65-F5344CB8AC3E}">
-        <p14:creationId xmlns:p14="http://schemas.microsoft.com/office/powerpoint/2010/main" val="3948493297"/>
+        <p14:creationId xmlns:p14="http://schemas.microsoft.com/office/powerpoint/2010/main" xmlns="" val="3948493297"/>
       </p:ext>
     </p:extLst>
   </p:cSld>
@@ -2720,7 +2743,8 @@
           <a:p>
             <a:fld id="{F6C1D796-6793-48B4-8678-D1716C42C339}" type="datetimeFigureOut">
               <a:rPr lang="ko-KR" altLang="en-US" smtClean="0"/>
-              <a:t>2014-07-19</a:t>
+              <a:pPr/>
+              <a:t>2014-07-20</a:t>
             </a:fld>
             <a:endParaRPr lang="ko-KR" altLang="en-US"/>
           </a:p>
@@ -2798,6 +2822,7 @@
           <a:p>
             <a:fld id="{9DD585ED-BCA3-4AF3-B4EC-13D21994217A}" type="slidenum">
               <a:rPr lang="ko-KR" altLang="en-US" smtClean="0"/>
+              <a:pPr/>
               <a:t>‹#›</a:t>
             </a:fld>
             <a:endParaRPr lang="ko-KR" altLang="en-US"/>
@@ -2807,7 +2832,7 @@
     </p:spTree>
     <p:extLst>
       <p:ext uri="{BB962C8B-B14F-4D97-AF65-F5344CB8AC3E}">
-        <p14:creationId xmlns:p14="http://schemas.microsoft.com/office/powerpoint/2010/main" val="3493722066"/>
+        <p14:creationId xmlns:p14="http://schemas.microsoft.com/office/powerpoint/2010/main" xmlns="" val="3493722066"/>
       </p:ext>
     </p:extLst>
   </p:cSld>
@@ -3488,11 +3513,7 @@
           <a:p>
             <a:r>
               <a:rPr lang="en-US" altLang="ko-KR" dirty="0" smtClean="0"/>
-              <a:t>(50,50</a:t>
-            </a:r>
-            <a:r>
-              <a:rPr lang="en-US" altLang="ko-KR" dirty="0" smtClean="0"/>
-              <a:t>)</a:t>
+              <a:t>(50,50)</a:t>
             </a:r>
             <a:endParaRPr lang="ko-KR" altLang="en-US" dirty="0"/>
           </a:p>
@@ -3552,15 +3573,7 @@
           <a:p>
             <a:r>
               <a:rPr lang="en-US" altLang="ko-KR" dirty="0" smtClean="0"/>
-              <a:t>(</a:t>
-            </a:r>
-            <a:r>
-              <a:rPr lang="en-US" altLang="ko-KR" dirty="0" smtClean="0"/>
-              <a:t>1400,700</a:t>
-            </a:r>
-            <a:r>
-              <a:rPr lang="en-US" altLang="ko-KR" dirty="0" smtClean="0"/>
-              <a:t>)</a:t>
+              <a:t>(1400,700)</a:t>
             </a:r>
             <a:endParaRPr lang="ko-KR" altLang="en-US" dirty="0"/>
           </a:p>
@@ -3599,9 +3612,1360 @@
     </p:spTree>
     <p:extLst>
       <p:ext uri="{BB962C8B-B14F-4D97-AF65-F5344CB8AC3E}">
-        <p14:creationId xmlns:p14="http://schemas.microsoft.com/office/powerpoint/2010/main" val="469431222"/>
+        <p14:creationId xmlns:p14="http://schemas.microsoft.com/office/powerpoint/2010/main" xmlns="" val="469431222"/>
       </p:ext>
     </p:extLst>
+  </p:cSld>
+  <p:clrMapOvr>
+    <a:masterClrMapping/>
+  </p:clrMapOvr>
+</p:sld>
+</file>
+
+<file path=ppt/slides/slide2.xml><?xml version="1.0" encoding="utf-8"?>
+<p:sld xmlns:a="http://schemas.openxmlformats.org/drawingml/2006/main" xmlns:r="http://schemas.openxmlformats.org/officeDocument/2006/relationships" xmlns:p="http://schemas.openxmlformats.org/presentationml/2006/main">
+  <p:cSld>
+    <p:spTree>
+      <p:nvGrpSpPr>
+        <p:cNvPr id="1" name=""/>
+        <p:cNvGrpSpPr/>
+        <p:nvPr/>
+      </p:nvGrpSpPr>
+      <p:grpSpPr>
+        <a:xfrm>
+          <a:off x="0" y="0"/>
+          <a:ext cx="0" cy="0"/>
+          <a:chOff x="0" y="0"/>
+          <a:chExt cx="0" cy="0"/>
+        </a:xfrm>
+      </p:grpSpPr>
+      <p:grpSp>
+        <p:nvGrpSpPr>
+          <p:cNvPr id="61" name="그룹 60"/>
+          <p:cNvGrpSpPr/>
+          <p:nvPr/>
+        </p:nvGrpSpPr>
+        <p:grpSpPr>
+          <a:xfrm>
+            <a:off x="1259632" y="404664"/>
+            <a:ext cx="7884368" cy="6453336"/>
+            <a:chOff x="1259632" y="404664"/>
+            <a:chExt cx="7884368" cy="6453336"/>
+          </a:xfrm>
+        </p:grpSpPr>
+        <p:sp>
+          <p:nvSpPr>
+            <p:cNvPr id="11" name="TextBox 10"/>
+            <p:cNvSpPr txBox="1"/>
+            <p:nvPr/>
+          </p:nvSpPr>
+          <p:spPr>
+            <a:xfrm>
+              <a:off x="7723418" y="6488668"/>
+              <a:ext cx="1420582" cy="369332"/>
+            </a:xfrm>
+            <a:prstGeom prst="rect">
+              <a:avLst/>
+            </a:prstGeom>
+            <a:noFill/>
+          </p:spPr>
+          <p:txBody>
+            <a:bodyPr wrap="none" rtlCol="0">
+              <a:spAutoFit/>
+            </a:bodyPr>
+            <a:lstStyle/>
+            <a:p>
+              <a:r>
+                <a:rPr lang="ko-KR" altLang="en-US" dirty="0" smtClean="0"/>
+                <a:t>전부 </a:t>
+              </a:r>
+              <a:r>
+                <a:rPr lang="ko-KR" altLang="en-US" dirty="0" err="1" smtClean="0"/>
+                <a:t>만배씩</a:t>
+              </a:r>
+              <a:endParaRPr lang="ko-KR" altLang="en-US" dirty="0"/>
+            </a:p>
+          </p:txBody>
+        </p:sp>
+        <p:grpSp>
+          <p:nvGrpSpPr>
+            <p:cNvPr id="18" name="그룹 17"/>
+            <p:cNvGrpSpPr/>
+            <p:nvPr/>
+          </p:nvGrpSpPr>
+          <p:grpSpPr>
+            <a:xfrm>
+              <a:off x="1259632" y="404664"/>
+              <a:ext cx="6318933" cy="5032176"/>
+              <a:chOff x="1259632" y="404664"/>
+              <a:chExt cx="6318933" cy="5032176"/>
+            </a:xfrm>
+          </p:grpSpPr>
+          <p:grpSp>
+            <p:nvGrpSpPr>
+              <p:cNvPr id="9" name="그룹 8"/>
+              <p:cNvGrpSpPr/>
+              <p:nvPr/>
+            </p:nvGrpSpPr>
+            <p:grpSpPr>
+              <a:xfrm>
+                <a:off x="1547664" y="836712"/>
+                <a:ext cx="5752256" cy="4600128"/>
+                <a:chOff x="1547664" y="836712"/>
+                <a:chExt cx="5752256" cy="4600128"/>
+              </a:xfrm>
+            </p:grpSpPr>
+            <p:sp>
+              <p:nvSpPr>
+                <p:cNvPr id="4" name="직사각형 3"/>
+                <p:cNvSpPr/>
+                <p:nvPr/>
+              </p:nvSpPr>
+              <p:spPr>
+                <a:xfrm>
+                  <a:off x="2267744" y="1556792"/>
+                  <a:ext cx="4320480" cy="3168352"/>
+                </a:xfrm>
+                <a:prstGeom prst="rect">
+                  <a:avLst/>
+                </a:prstGeom>
+                <a:noFill/>
+              </p:spPr>
+              <p:style>
+                <a:lnRef idx="2">
+                  <a:schemeClr val="accent1">
+                    <a:shade val="50000"/>
+                  </a:schemeClr>
+                </a:lnRef>
+                <a:fillRef idx="1">
+                  <a:schemeClr val="accent1"/>
+                </a:fillRef>
+                <a:effectRef idx="0">
+                  <a:schemeClr val="accent1"/>
+                </a:effectRef>
+                <a:fontRef idx="minor">
+                  <a:schemeClr val="lt1"/>
+                </a:fontRef>
+              </p:style>
+              <p:txBody>
+                <a:bodyPr rtlCol="0" anchor="ctr"/>
+                <a:lstStyle/>
+                <a:p>
+                  <a:pPr algn="ctr"/>
+                  <a:endParaRPr lang="ko-KR" altLang="en-US"/>
+                </a:p>
+              </p:txBody>
+            </p:sp>
+            <p:sp>
+              <p:nvSpPr>
+                <p:cNvPr id="5" name="직사각형 4"/>
+                <p:cNvSpPr/>
+                <p:nvPr/>
+              </p:nvSpPr>
+              <p:spPr>
+                <a:xfrm>
+                  <a:off x="2267744" y="836712"/>
+                  <a:ext cx="711696" cy="711696"/>
+                </a:xfrm>
+                <a:prstGeom prst="rect">
+                  <a:avLst/>
+                </a:prstGeom>
+                <a:noFill/>
+              </p:spPr>
+              <p:style>
+                <a:lnRef idx="2">
+                  <a:schemeClr val="accent1">
+                    <a:shade val="50000"/>
+                  </a:schemeClr>
+                </a:lnRef>
+                <a:fillRef idx="1">
+                  <a:schemeClr val="accent1"/>
+                </a:fillRef>
+                <a:effectRef idx="0">
+                  <a:schemeClr val="accent1"/>
+                </a:effectRef>
+                <a:fontRef idx="minor">
+                  <a:schemeClr val="lt1"/>
+                </a:fontRef>
+              </p:style>
+              <p:txBody>
+                <a:bodyPr rtlCol="0" anchor="ctr"/>
+                <a:lstStyle/>
+                <a:p>
+                  <a:pPr algn="ctr"/>
+                  <a:endParaRPr lang="ko-KR" altLang="en-US"/>
+                </a:p>
+              </p:txBody>
+            </p:sp>
+            <p:sp>
+              <p:nvSpPr>
+                <p:cNvPr id="6" name="직사각형 5"/>
+                <p:cNvSpPr/>
+                <p:nvPr/>
+              </p:nvSpPr>
+              <p:spPr>
+                <a:xfrm>
+                  <a:off x="6588224" y="1556792"/>
+                  <a:ext cx="711696" cy="711696"/>
+                </a:xfrm>
+                <a:prstGeom prst="rect">
+                  <a:avLst/>
+                </a:prstGeom>
+                <a:noFill/>
+              </p:spPr>
+              <p:style>
+                <a:lnRef idx="2">
+                  <a:schemeClr val="accent1">
+                    <a:shade val="50000"/>
+                  </a:schemeClr>
+                </a:lnRef>
+                <a:fillRef idx="1">
+                  <a:schemeClr val="accent1"/>
+                </a:fillRef>
+                <a:effectRef idx="0">
+                  <a:schemeClr val="accent1"/>
+                </a:effectRef>
+                <a:fontRef idx="minor">
+                  <a:schemeClr val="lt1"/>
+                </a:fontRef>
+              </p:style>
+              <p:txBody>
+                <a:bodyPr rtlCol="0" anchor="ctr"/>
+                <a:lstStyle/>
+                <a:p>
+                  <a:pPr algn="ctr"/>
+                  <a:endParaRPr lang="ko-KR" altLang="en-US"/>
+                </a:p>
+              </p:txBody>
+            </p:sp>
+            <p:sp>
+              <p:nvSpPr>
+                <p:cNvPr id="7" name="직사각형 6"/>
+                <p:cNvSpPr/>
+                <p:nvPr/>
+              </p:nvSpPr>
+              <p:spPr>
+                <a:xfrm>
+                  <a:off x="1547664" y="4005064"/>
+                  <a:ext cx="711696" cy="711696"/>
+                </a:xfrm>
+                <a:prstGeom prst="rect">
+                  <a:avLst/>
+                </a:prstGeom>
+                <a:noFill/>
+              </p:spPr>
+              <p:style>
+                <a:lnRef idx="2">
+                  <a:schemeClr val="accent1">
+                    <a:shade val="50000"/>
+                  </a:schemeClr>
+                </a:lnRef>
+                <a:fillRef idx="1">
+                  <a:schemeClr val="accent1"/>
+                </a:fillRef>
+                <a:effectRef idx="0">
+                  <a:schemeClr val="accent1"/>
+                </a:effectRef>
+                <a:fontRef idx="minor">
+                  <a:schemeClr val="lt1"/>
+                </a:fontRef>
+              </p:style>
+              <p:txBody>
+                <a:bodyPr rtlCol="0" anchor="ctr"/>
+                <a:lstStyle/>
+                <a:p>
+                  <a:pPr algn="ctr"/>
+                  <a:endParaRPr lang="ko-KR" altLang="en-US"/>
+                </a:p>
+              </p:txBody>
+            </p:sp>
+            <p:sp>
+              <p:nvSpPr>
+                <p:cNvPr id="8" name="직사각형 7"/>
+                <p:cNvSpPr/>
+                <p:nvPr/>
+              </p:nvSpPr>
+              <p:spPr>
+                <a:xfrm>
+                  <a:off x="5868144" y="4725144"/>
+                  <a:ext cx="711696" cy="711696"/>
+                </a:xfrm>
+                <a:prstGeom prst="rect">
+                  <a:avLst/>
+                </a:prstGeom>
+                <a:noFill/>
+              </p:spPr>
+              <p:style>
+                <a:lnRef idx="2">
+                  <a:schemeClr val="accent1">
+                    <a:shade val="50000"/>
+                  </a:schemeClr>
+                </a:lnRef>
+                <a:fillRef idx="1">
+                  <a:schemeClr val="accent1"/>
+                </a:fillRef>
+                <a:effectRef idx="0">
+                  <a:schemeClr val="accent1"/>
+                </a:effectRef>
+                <a:fontRef idx="minor">
+                  <a:schemeClr val="lt1"/>
+                </a:fontRef>
+              </p:style>
+              <p:txBody>
+                <a:bodyPr rtlCol="0" anchor="ctr"/>
+                <a:lstStyle/>
+                <a:p>
+                  <a:pPr algn="ctr"/>
+                  <a:endParaRPr lang="ko-KR" altLang="en-US"/>
+                </a:p>
+              </p:txBody>
+            </p:sp>
+          </p:grpSp>
+          <p:sp>
+            <p:nvSpPr>
+              <p:cNvPr id="10" name="TextBox 9"/>
+              <p:cNvSpPr txBox="1"/>
+              <p:nvPr/>
+            </p:nvSpPr>
+            <p:spPr>
+              <a:xfrm>
+                <a:off x="1835696" y="404664"/>
+                <a:ext cx="630301" cy="369332"/>
+              </a:xfrm>
+              <a:prstGeom prst="rect">
+                <a:avLst/>
+              </a:prstGeom>
+              <a:noFill/>
+            </p:spPr>
+            <p:txBody>
+              <a:bodyPr wrap="none" rtlCol="0">
+                <a:spAutoFit/>
+              </a:bodyPr>
+              <a:lstStyle/>
+              <a:p>
+                <a:r>
+                  <a:rPr lang="en-US" altLang="ko-KR" dirty="0" smtClean="0"/>
+                  <a:t>(</a:t>
+                </a:r>
+                <a:r>
+                  <a:rPr lang="en-US" altLang="ko-KR" dirty="0" smtClean="0"/>
+                  <a:t>2</a:t>
+                </a:r>
+                <a:r>
+                  <a:rPr lang="en-US" altLang="ko-KR" dirty="0" smtClean="0"/>
+                  <a:t>,1)</a:t>
+                </a:r>
+                <a:endParaRPr lang="ko-KR" altLang="en-US" dirty="0"/>
+              </a:p>
+            </p:txBody>
+          </p:sp>
+          <p:sp>
+            <p:nvSpPr>
+              <p:cNvPr id="12" name="TextBox 11"/>
+              <p:cNvSpPr txBox="1"/>
+              <p:nvPr/>
+            </p:nvSpPr>
+            <p:spPr>
+              <a:xfrm>
+                <a:off x="2843808" y="404664"/>
+                <a:ext cx="630301" cy="369332"/>
+              </a:xfrm>
+              <a:prstGeom prst="rect">
+                <a:avLst/>
+              </a:prstGeom>
+              <a:noFill/>
+            </p:spPr>
+            <p:txBody>
+              <a:bodyPr wrap="square" rtlCol="0">
+                <a:spAutoFit/>
+              </a:bodyPr>
+              <a:lstStyle/>
+              <a:p>
+                <a:r>
+                  <a:rPr lang="en-US" altLang="ko-KR" dirty="0" smtClean="0"/>
+                  <a:t>(</a:t>
+                </a:r>
+                <a:r>
+                  <a:rPr lang="en-US" altLang="ko-KR" dirty="0" smtClean="0"/>
+                  <a:t>3</a:t>
+                </a:r>
+                <a:r>
+                  <a:rPr lang="en-US" altLang="ko-KR" dirty="0" smtClean="0"/>
+                  <a:t>,1)</a:t>
+                </a:r>
+                <a:endParaRPr lang="ko-KR" altLang="en-US" dirty="0"/>
+              </a:p>
+            </p:txBody>
+          </p:sp>
+          <p:sp>
+            <p:nvSpPr>
+              <p:cNvPr id="13" name="TextBox 12"/>
+              <p:cNvSpPr txBox="1"/>
+              <p:nvPr/>
+            </p:nvSpPr>
+            <p:spPr>
+              <a:xfrm>
+                <a:off x="2915816" y="1196752"/>
+                <a:ext cx="630301" cy="369332"/>
+              </a:xfrm>
+              <a:prstGeom prst="rect">
+                <a:avLst/>
+              </a:prstGeom>
+              <a:noFill/>
+            </p:spPr>
+            <p:txBody>
+              <a:bodyPr wrap="square" rtlCol="0">
+                <a:spAutoFit/>
+              </a:bodyPr>
+              <a:lstStyle/>
+              <a:p>
+                <a:r>
+                  <a:rPr lang="en-US" altLang="ko-KR" dirty="0" smtClean="0"/>
+                  <a:t>(3,2)</a:t>
+                </a:r>
+                <a:endParaRPr lang="ko-KR" altLang="en-US" dirty="0"/>
+              </a:p>
+            </p:txBody>
+          </p:sp>
+          <p:sp>
+            <p:nvSpPr>
+              <p:cNvPr id="14" name="TextBox 13"/>
+              <p:cNvSpPr txBox="1"/>
+              <p:nvPr/>
+            </p:nvSpPr>
+            <p:spPr>
+              <a:xfrm>
+                <a:off x="6948264" y="1124744"/>
+                <a:ext cx="630301" cy="369332"/>
+              </a:xfrm>
+              <a:prstGeom prst="rect">
+                <a:avLst/>
+              </a:prstGeom>
+              <a:noFill/>
+            </p:spPr>
+            <p:txBody>
+              <a:bodyPr wrap="none" rtlCol="0">
+                <a:spAutoFit/>
+              </a:bodyPr>
+              <a:lstStyle/>
+              <a:p>
+                <a:r>
+                  <a:rPr lang="en-US" altLang="ko-KR" dirty="0" smtClean="0"/>
+                  <a:t>(9,2)</a:t>
+                </a:r>
+                <a:endParaRPr lang="ko-KR" altLang="en-US" dirty="0"/>
+              </a:p>
+            </p:txBody>
+          </p:sp>
+          <p:sp>
+            <p:nvSpPr>
+              <p:cNvPr id="15" name="TextBox 14"/>
+              <p:cNvSpPr txBox="1"/>
+              <p:nvPr/>
+            </p:nvSpPr>
+            <p:spPr>
+              <a:xfrm>
+                <a:off x="5868144" y="4725144"/>
+                <a:ext cx="630301" cy="369332"/>
+              </a:xfrm>
+              <a:prstGeom prst="rect">
+                <a:avLst/>
+              </a:prstGeom>
+              <a:noFill/>
+            </p:spPr>
+            <p:txBody>
+              <a:bodyPr wrap="none" rtlCol="0">
+                <a:spAutoFit/>
+              </a:bodyPr>
+              <a:lstStyle/>
+              <a:p>
+                <a:r>
+                  <a:rPr lang="en-US" altLang="ko-KR" dirty="0" smtClean="0"/>
+                  <a:t>(7,8)</a:t>
+                </a:r>
+                <a:endParaRPr lang="ko-KR" altLang="en-US" dirty="0"/>
+              </a:p>
+            </p:txBody>
+          </p:sp>
+          <p:sp>
+            <p:nvSpPr>
+              <p:cNvPr id="16" name="TextBox 15"/>
+              <p:cNvSpPr txBox="1"/>
+              <p:nvPr/>
+            </p:nvSpPr>
+            <p:spPr>
+              <a:xfrm>
+                <a:off x="1259632" y="4725144"/>
+                <a:ext cx="630301" cy="369332"/>
+              </a:xfrm>
+              <a:prstGeom prst="rect">
+                <a:avLst/>
+              </a:prstGeom>
+              <a:noFill/>
+            </p:spPr>
+            <p:txBody>
+              <a:bodyPr wrap="none" rtlCol="0">
+                <a:spAutoFit/>
+              </a:bodyPr>
+              <a:lstStyle/>
+              <a:p>
+                <a:r>
+                  <a:rPr lang="en-US" altLang="ko-KR" dirty="0" smtClean="0"/>
+                  <a:t>(1,8)</a:t>
+                </a:r>
+                <a:endParaRPr lang="ko-KR" altLang="en-US" dirty="0"/>
+              </a:p>
+            </p:txBody>
+          </p:sp>
+          <p:sp>
+            <p:nvSpPr>
+              <p:cNvPr id="17" name="직사각형 16"/>
+              <p:cNvSpPr/>
+              <p:nvPr/>
+            </p:nvSpPr>
+            <p:spPr>
+              <a:xfrm>
+                <a:off x="2771800" y="2060848"/>
+                <a:ext cx="3312368" cy="2160240"/>
+              </a:xfrm>
+              <a:prstGeom prst="rect">
+                <a:avLst/>
+              </a:prstGeom>
+            </p:spPr>
+            <p:style>
+              <a:lnRef idx="2">
+                <a:schemeClr val="accent1">
+                  <a:shade val="50000"/>
+                </a:schemeClr>
+              </a:lnRef>
+              <a:fillRef idx="1">
+                <a:schemeClr val="accent1"/>
+              </a:fillRef>
+              <a:effectRef idx="0">
+                <a:schemeClr val="accent1"/>
+              </a:effectRef>
+              <a:fontRef idx="minor">
+                <a:schemeClr val="lt1"/>
+              </a:fontRef>
+            </p:style>
+            <p:txBody>
+              <a:bodyPr rtlCol="0" anchor="ctr"/>
+              <a:lstStyle/>
+              <a:p>
+                <a:pPr algn="ctr"/>
+                <a:endParaRPr lang="ko-KR" altLang="en-US"/>
+              </a:p>
+            </p:txBody>
+          </p:sp>
+        </p:grpSp>
+        <p:sp>
+          <p:nvSpPr>
+            <p:cNvPr id="19" name="TextBox 18"/>
+            <p:cNvSpPr txBox="1"/>
+            <p:nvPr/>
+          </p:nvSpPr>
+          <p:spPr>
+            <a:xfrm>
+              <a:off x="1763688" y="1196752"/>
+              <a:ext cx="630301" cy="369332"/>
+            </a:xfrm>
+            <a:prstGeom prst="rect">
+              <a:avLst/>
+            </a:prstGeom>
+            <a:noFill/>
+          </p:spPr>
+          <p:txBody>
+            <a:bodyPr wrap="none" rtlCol="0">
+              <a:spAutoFit/>
+            </a:bodyPr>
+            <a:lstStyle/>
+            <a:p>
+              <a:r>
+                <a:rPr lang="en-US" altLang="ko-KR" dirty="0" smtClean="0"/>
+                <a:t>(</a:t>
+              </a:r>
+              <a:r>
+                <a:rPr lang="en-US" altLang="ko-KR" dirty="0" smtClean="0"/>
+                <a:t>2</a:t>
+              </a:r>
+              <a:r>
+                <a:rPr lang="en-US" altLang="ko-KR" dirty="0" smtClean="0"/>
+                <a:t>,2)</a:t>
+              </a:r>
+              <a:endParaRPr lang="ko-KR" altLang="en-US" dirty="0"/>
+            </a:p>
+          </p:txBody>
+        </p:sp>
+        <p:sp>
+          <p:nvSpPr>
+            <p:cNvPr id="20" name="TextBox 19"/>
+            <p:cNvSpPr txBox="1"/>
+            <p:nvPr/>
+          </p:nvSpPr>
+          <p:spPr>
+            <a:xfrm>
+              <a:off x="2771800" y="2060848"/>
+              <a:ext cx="630301" cy="369332"/>
+            </a:xfrm>
+            <a:prstGeom prst="rect">
+              <a:avLst/>
+            </a:prstGeom>
+            <a:noFill/>
+          </p:spPr>
+          <p:txBody>
+            <a:bodyPr wrap="none" rtlCol="0">
+              <a:spAutoFit/>
+            </a:bodyPr>
+            <a:lstStyle/>
+            <a:p>
+              <a:r>
+                <a:rPr lang="en-US" altLang="ko-KR" dirty="0" smtClean="0"/>
+                <a:t>(3,3)</a:t>
+              </a:r>
+              <a:endParaRPr lang="ko-KR" altLang="en-US" dirty="0"/>
+            </a:p>
+          </p:txBody>
+        </p:sp>
+        <p:sp>
+          <p:nvSpPr>
+            <p:cNvPr id="49" name="TextBox 48"/>
+            <p:cNvSpPr txBox="1"/>
+            <p:nvPr/>
+          </p:nvSpPr>
+          <p:spPr>
+            <a:xfrm>
+              <a:off x="2771800" y="3789040"/>
+              <a:ext cx="630301" cy="369332"/>
+            </a:xfrm>
+            <a:prstGeom prst="rect">
+              <a:avLst/>
+            </a:prstGeom>
+            <a:noFill/>
+          </p:spPr>
+          <p:txBody>
+            <a:bodyPr wrap="none" rtlCol="0">
+              <a:spAutoFit/>
+            </a:bodyPr>
+            <a:lstStyle/>
+            <a:p>
+              <a:r>
+                <a:rPr lang="en-US" altLang="ko-KR" dirty="0" smtClean="0"/>
+                <a:t>(3,7)</a:t>
+              </a:r>
+              <a:endParaRPr lang="ko-KR" altLang="en-US" dirty="0"/>
+            </a:p>
+          </p:txBody>
+        </p:sp>
+        <p:sp>
+          <p:nvSpPr>
+            <p:cNvPr id="50" name="TextBox 49"/>
+            <p:cNvSpPr txBox="1"/>
+            <p:nvPr/>
+          </p:nvSpPr>
+          <p:spPr>
+            <a:xfrm>
+              <a:off x="1259632" y="3635732"/>
+              <a:ext cx="630301" cy="369332"/>
+            </a:xfrm>
+            <a:prstGeom prst="rect">
+              <a:avLst/>
+            </a:prstGeom>
+            <a:noFill/>
+          </p:spPr>
+          <p:txBody>
+            <a:bodyPr wrap="none" rtlCol="0">
+              <a:spAutoFit/>
+            </a:bodyPr>
+            <a:lstStyle/>
+            <a:p>
+              <a:r>
+                <a:rPr lang="en-US" altLang="ko-KR" dirty="0" smtClean="0"/>
+                <a:t>(1,7)</a:t>
+              </a:r>
+              <a:endParaRPr lang="ko-KR" altLang="en-US" dirty="0"/>
+            </a:p>
+          </p:txBody>
+        </p:sp>
+        <p:sp>
+          <p:nvSpPr>
+            <p:cNvPr id="51" name="TextBox 50"/>
+            <p:cNvSpPr txBox="1"/>
+            <p:nvPr/>
+          </p:nvSpPr>
+          <p:spPr>
+            <a:xfrm>
+              <a:off x="1853467" y="3645024"/>
+              <a:ext cx="630301" cy="369332"/>
+            </a:xfrm>
+            <a:prstGeom prst="rect">
+              <a:avLst/>
+            </a:prstGeom>
+            <a:noFill/>
+          </p:spPr>
+          <p:txBody>
+            <a:bodyPr wrap="none" rtlCol="0">
+              <a:spAutoFit/>
+            </a:bodyPr>
+            <a:lstStyle/>
+            <a:p>
+              <a:r>
+                <a:rPr lang="en-US" altLang="ko-KR" dirty="0" smtClean="0"/>
+                <a:t>(2,7)</a:t>
+              </a:r>
+              <a:endParaRPr lang="ko-KR" altLang="en-US" dirty="0"/>
+            </a:p>
+          </p:txBody>
+        </p:sp>
+        <p:sp>
+          <p:nvSpPr>
+            <p:cNvPr id="52" name="TextBox 51"/>
+            <p:cNvSpPr txBox="1"/>
+            <p:nvPr/>
+          </p:nvSpPr>
+          <p:spPr>
+            <a:xfrm>
+              <a:off x="1979712" y="4725144"/>
+              <a:ext cx="630301" cy="369332"/>
+            </a:xfrm>
+            <a:prstGeom prst="rect">
+              <a:avLst/>
+            </a:prstGeom>
+            <a:noFill/>
+          </p:spPr>
+          <p:txBody>
+            <a:bodyPr wrap="none" rtlCol="0">
+              <a:spAutoFit/>
+            </a:bodyPr>
+            <a:lstStyle/>
+            <a:p>
+              <a:r>
+                <a:rPr lang="en-US" altLang="ko-KR" dirty="0" smtClean="0"/>
+                <a:t>(2,8)</a:t>
+              </a:r>
+              <a:endParaRPr lang="ko-KR" altLang="en-US" dirty="0"/>
+            </a:p>
+          </p:txBody>
+        </p:sp>
+        <p:sp>
+          <p:nvSpPr>
+            <p:cNvPr id="53" name="TextBox 52"/>
+            <p:cNvSpPr txBox="1"/>
+            <p:nvPr/>
+          </p:nvSpPr>
+          <p:spPr>
+            <a:xfrm>
+              <a:off x="6516216" y="4725144"/>
+              <a:ext cx="630301" cy="369332"/>
+            </a:xfrm>
+            <a:prstGeom prst="rect">
+              <a:avLst/>
+            </a:prstGeom>
+            <a:noFill/>
+          </p:spPr>
+          <p:txBody>
+            <a:bodyPr wrap="none" rtlCol="0">
+              <a:spAutoFit/>
+            </a:bodyPr>
+            <a:lstStyle/>
+            <a:p>
+              <a:r>
+                <a:rPr lang="en-US" altLang="ko-KR" dirty="0" smtClean="0"/>
+                <a:t>(8,8)</a:t>
+              </a:r>
+              <a:endParaRPr lang="ko-KR" altLang="en-US" dirty="0"/>
+            </a:p>
+          </p:txBody>
+        </p:sp>
+        <p:sp>
+          <p:nvSpPr>
+            <p:cNvPr id="54" name="TextBox 53"/>
+            <p:cNvSpPr txBox="1"/>
+            <p:nvPr/>
+          </p:nvSpPr>
+          <p:spPr>
+            <a:xfrm>
+              <a:off x="6516216" y="5291916"/>
+              <a:ext cx="630301" cy="369332"/>
+            </a:xfrm>
+            <a:prstGeom prst="rect">
+              <a:avLst/>
+            </a:prstGeom>
+            <a:noFill/>
+          </p:spPr>
+          <p:txBody>
+            <a:bodyPr wrap="none" rtlCol="0">
+              <a:spAutoFit/>
+            </a:bodyPr>
+            <a:lstStyle/>
+            <a:p>
+              <a:r>
+                <a:rPr lang="en-US" altLang="ko-KR" dirty="0" smtClean="0"/>
+                <a:t>(8,9)</a:t>
+              </a:r>
+              <a:endParaRPr lang="ko-KR" altLang="en-US" dirty="0"/>
+            </a:p>
+          </p:txBody>
+        </p:sp>
+        <p:sp>
+          <p:nvSpPr>
+            <p:cNvPr id="55" name="TextBox 54"/>
+            <p:cNvSpPr txBox="1"/>
+            <p:nvPr/>
+          </p:nvSpPr>
+          <p:spPr>
+            <a:xfrm>
+              <a:off x="5813907" y="5301208"/>
+              <a:ext cx="630301" cy="369332"/>
+            </a:xfrm>
+            <a:prstGeom prst="rect">
+              <a:avLst/>
+            </a:prstGeom>
+            <a:noFill/>
+          </p:spPr>
+          <p:txBody>
+            <a:bodyPr wrap="none" rtlCol="0">
+              <a:spAutoFit/>
+            </a:bodyPr>
+            <a:lstStyle/>
+            <a:p>
+              <a:r>
+                <a:rPr lang="en-US" altLang="ko-KR" dirty="0" smtClean="0"/>
+                <a:t>(7,9)</a:t>
+              </a:r>
+              <a:endParaRPr lang="ko-KR" altLang="en-US" dirty="0"/>
+            </a:p>
+          </p:txBody>
+        </p:sp>
+        <p:sp>
+          <p:nvSpPr>
+            <p:cNvPr id="56" name="TextBox 55"/>
+            <p:cNvSpPr txBox="1"/>
+            <p:nvPr/>
+          </p:nvSpPr>
+          <p:spPr>
+            <a:xfrm>
+              <a:off x="6245955" y="1124744"/>
+              <a:ext cx="630301" cy="369332"/>
+            </a:xfrm>
+            <a:prstGeom prst="rect">
+              <a:avLst/>
+            </a:prstGeom>
+            <a:noFill/>
+          </p:spPr>
+          <p:txBody>
+            <a:bodyPr wrap="none" rtlCol="0">
+              <a:spAutoFit/>
+            </a:bodyPr>
+            <a:lstStyle/>
+            <a:p>
+              <a:r>
+                <a:rPr lang="en-US" altLang="ko-KR" dirty="0" smtClean="0"/>
+                <a:t>(8,2)</a:t>
+              </a:r>
+              <a:endParaRPr lang="ko-KR" altLang="en-US" dirty="0"/>
+            </a:p>
+          </p:txBody>
+        </p:sp>
+        <p:sp>
+          <p:nvSpPr>
+            <p:cNvPr id="57" name="TextBox 56"/>
+            <p:cNvSpPr txBox="1"/>
+            <p:nvPr/>
+          </p:nvSpPr>
+          <p:spPr>
+            <a:xfrm>
+              <a:off x="6300192" y="2276872"/>
+              <a:ext cx="630301" cy="369332"/>
+            </a:xfrm>
+            <a:prstGeom prst="rect">
+              <a:avLst/>
+            </a:prstGeom>
+            <a:noFill/>
+          </p:spPr>
+          <p:txBody>
+            <a:bodyPr wrap="none" rtlCol="0">
+              <a:spAutoFit/>
+            </a:bodyPr>
+            <a:lstStyle/>
+            <a:p>
+              <a:r>
+                <a:rPr lang="en-US" altLang="ko-KR" dirty="0" smtClean="0"/>
+                <a:t>(8,3)</a:t>
+              </a:r>
+              <a:endParaRPr lang="ko-KR" altLang="en-US" dirty="0"/>
+            </a:p>
+          </p:txBody>
+        </p:sp>
+        <p:sp>
+          <p:nvSpPr>
+            <p:cNvPr id="58" name="TextBox 57"/>
+            <p:cNvSpPr txBox="1"/>
+            <p:nvPr/>
+          </p:nvSpPr>
+          <p:spPr>
+            <a:xfrm>
+              <a:off x="7092280" y="2276872"/>
+              <a:ext cx="630301" cy="369332"/>
+            </a:xfrm>
+            <a:prstGeom prst="rect">
+              <a:avLst/>
+            </a:prstGeom>
+            <a:noFill/>
+          </p:spPr>
+          <p:txBody>
+            <a:bodyPr wrap="none" rtlCol="0">
+              <a:spAutoFit/>
+            </a:bodyPr>
+            <a:lstStyle/>
+            <a:p>
+              <a:r>
+                <a:rPr lang="en-US" altLang="ko-KR" dirty="0" smtClean="0"/>
+                <a:t>(9,3)</a:t>
+              </a:r>
+              <a:endParaRPr lang="ko-KR" altLang="en-US" dirty="0"/>
+            </a:p>
+          </p:txBody>
+        </p:sp>
+        <p:sp>
+          <p:nvSpPr>
+            <p:cNvPr id="59" name="TextBox 58"/>
+            <p:cNvSpPr txBox="1"/>
+            <p:nvPr/>
+          </p:nvSpPr>
+          <p:spPr>
+            <a:xfrm>
+              <a:off x="5436096" y="2132856"/>
+              <a:ext cx="630301" cy="369332"/>
+            </a:xfrm>
+            <a:prstGeom prst="rect">
+              <a:avLst/>
+            </a:prstGeom>
+            <a:noFill/>
+          </p:spPr>
+          <p:txBody>
+            <a:bodyPr wrap="none" rtlCol="0">
+              <a:spAutoFit/>
+            </a:bodyPr>
+            <a:lstStyle/>
+            <a:p>
+              <a:r>
+                <a:rPr lang="en-US" altLang="ko-KR" dirty="0" smtClean="0"/>
+                <a:t>(7,3)</a:t>
+              </a:r>
+              <a:endParaRPr lang="ko-KR" altLang="en-US" dirty="0"/>
+            </a:p>
+          </p:txBody>
+        </p:sp>
+        <p:sp>
+          <p:nvSpPr>
+            <p:cNvPr id="60" name="TextBox 59"/>
+            <p:cNvSpPr txBox="1"/>
+            <p:nvPr/>
+          </p:nvSpPr>
+          <p:spPr>
+            <a:xfrm>
+              <a:off x="5436096" y="3789040"/>
+              <a:ext cx="630301" cy="369332"/>
+            </a:xfrm>
+            <a:prstGeom prst="rect">
+              <a:avLst/>
+            </a:prstGeom>
+            <a:noFill/>
+          </p:spPr>
+          <p:txBody>
+            <a:bodyPr wrap="none" rtlCol="0">
+              <a:spAutoFit/>
+            </a:bodyPr>
+            <a:lstStyle/>
+            <a:p>
+              <a:r>
+                <a:rPr lang="en-US" altLang="ko-KR" dirty="0" smtClean="0"/>
+                <a:t>(7,7)</a:t>
+              </a:r>
+              <a:endParaRPr lang="ko-KR" altLang="en-US" dirty="0"/>
+            </a:p>
+          </p:txBody>
+        </p:sp>
+      </p:grpSp>
+      <p:sp>
+        <p:nvSpPr>
+          <p:cNvPr id="63" name="타원 62"/>
+          <p:cNvSpPr/>
+          <p:nvPr/>
+        </p:nvSpPr>
+        <p:spPr>
+          <a:xfrm>
+            <a:off x="2267744" y="4149080"/>
+            <a:ext cx="504056" cy="504056"/>
+          </a:xfrm>
+          <a:prstGeom prst="ellipse">
+            <a:avLst/>
+          </a:prstGeom>
+        </p:spPr>
+        <p:style>
+          <a:lnRef idx="2">
+            <a:schemeClr val="accent6"/>
+          </a:lnRef>
+          <a:fillRef idx="1">
+            <a:schemeClr val="lt1"/>
+          </a:fillRef>
+          <a:effectRef idx="0">
+            <a:schemeClr val="accent6"/>
+          </a:effectRef>
+          <a:fontRef idx="minor">
+            <a:schemeClr val="dk1"/>
+          </a:fontRef>
+        </p:style>
+        <p:txBody>
+          <a:bodyPr rtlCol="0" anchor="ctr"/>
+          <a:lstStyle/>
+          <a:p>
+            <a:pPr algn="ctr"/>
+            <a:r>
+              <a:rPr lang="en-US" altLang="ko-KR" dirty="0" smtClean="0"/>
+              <a:t>1</a:t>
+            </a:r>
+            <a:endParaRPr lang="ko-KR" altLang="en-US" dirty="0"/>
+          </a:p>
+        </p:txBody>
+      </p:sp>
+      <p:sp>
+        <p:nvSpPr>
+          <p:cNvPr id="64" name="타원 63"/>
+          <p:cNvSpPr/>
+          <p:nvPr/>
+        </p:nvSpPr>
+        <p:spPr>
+          <a:xfrm>
+            <a:off x="2267744" y="1556792"/>
+            <a:ext cx="504056" cy="504056"/>
+          </a:xfrm>
+          <a:prstGeom prst="ellipse">
+            <a:avLst/>
+          </a:prstGeom>
+        </p:spPr>
+        <p:style>
+          <a:lnRef idx="2">
+            <a:schemeClr val="accent6"/>
+          </a:lnRef>
+          <a:fillRef idx="1">
+            <a:schemeClr val="lt1"/>
+          </a:fillRef>
+          <a:effectRef idx="0">
+            <a:schemeClr val="accent6"/>
+          </a:effectRef>
+          <a:fontRef idx="minor">
+            <a:schemeClr val="dk1"/>
+          </a:fontRef>
+        </p:style>
+        <p:txBody>
+          <a:bodyPr rtlCol="0" anchor="ctr"/>
+          <a:lstStyle/>
+          <a:p>
+            <a:pPr algn="ctr"/>
+            <a:r>
+              <a:rPr lang="en-US" altLang="ko-KR" dirty="0" smtClean="0"/>
+              <a:t>2</a:t>
+            </a:r>
+            <a:endParaRPr lang="ko-KR" altLang="en-US" dirty="0"/>
+          </a:p>
+        </p:txBody>
+      </p:sp>
+      <p:sp>
+        <p:nvSpPr>
+          <p:cNvPr id="65" name="타원 64"/>
+          <p:cNvSpPr/>
+          <p:nvPr/>
+        </p:nvSpPr>
+        <p:spPr>
+          <a:xfrm>
+            <a:off x="6084168" y="1556792"/>
+            <a:ext cx="504056" cy="504056"/>
+          </a:xfrm>
+          <a:prstGeom prst="ellipse">
+            <a:avLst/>
+          </a:prstGeom>
+        </p:spPr>
+        <p:style>
+          <a:lnRef idx="2">
+            <a:schemeClr val="accent6"/>
+          </a:lnRef>
+          <a:fillRef idx="1">
+            <a:schemeClr val="lt1"/>
+          </a:fillRef>
+          <a:effectRef idx="0">
+            <a:schemeClr val="accent6"/>
+          </a:effectRef>
+          <a:fontRef idx="minor">
+            <a:schemeClr val="dk1"/>
+          </a:fontRef>
+        </p:style>
+        <p:txBody>
+          <a:bodyPr rtlCol="0" anchor="ctr"/>
+          <a:lstStyle/>
+          <a:p>
+            <a:pPr algn="ctr"/>
+            <a:r>
+              <a:rPr lang="en-US" altLang="ko-KR" dirty="0" smtClean="0"/>
+              <a:t>3</a:t>
+            </a:r>
+            <a:endParaRPr lang="ko-KR" altLang="en-US" dirty="0"/>
+          </a:p>
+        </p:txBody>
+      </p:sp>
+      <p:sp>
+        <p:nvSpPr>
+          <p:cNvPr id="66" name="타원 65"/>
+          <p:cNvSpPr/>
+          <p:nvPr/>
+        </p:nvSpPr>
+        <p:spPr>
+          <a:xfrm>
+            <a:off x="6084168" y="4221088"/>
+            <a:ext cx="504056" cy="504056"/>
+          </a:xfrm>
+          <a:prstGeom prst="ellipse">
+            <a:avLst/>
+          </a:prstGeom>
+        </p:spPr>
+        <p:style>
+          <a:lnRef idx="2">
+            <a:schemeClr val="accent6"/>
+          </a:lnRef>
+          <a:fillRef idx="1">
+            <a:schemeClr val="lt1"/>
+          </a:fillRef>
+          <a:effectRef idx="0">
+            <a:schemeClr val="accent6"/>
+          </a:effectRef>
+          <a:fontRef idx="minor">
+            <a:schemeClr val="dk1"/>
+          </a:fontRef>
+        </p:style>
+        <p:txBody>
+          <a:bodyPr rtlCol="0" anchor="ctr"/>
+          <a:lstStyle/>
+          <a:p>
+            <a:pPr algn="ctr"/>
+            <a:r>
+              <a:rPr lang="en-US" altLang="ko-KR" dirty="0" smtClean="0"/>
+              <a:t>4</a:t>
+            </a:r>
+            <a:endParaRPr lang="ko-KR" altLang="en-US" dirty="0"/>
+          </a:p>
+        </p:txBody>
+      </p:sp>
+      <p:sp>
+        <p:nvSpPr>
+          <p:cNvPr id="67" name="타원 66"/>
+          <p:cNvSpPr/>
+          <p:nvPr/>
+        </p:nvSpPr>
+        <p:spPr>
+          <a:xfrm>
+            <a:off x="1619672" y="4149080"/>
+            <a:ext cx="504056" cy="504056"/>
+          </a:xfrm>
+          <a:prstGeom prst="ellipse">
+            <a:avLst/>
+          </a:prstGeom>
+        </p:spPr>
+        <p:style>
+          <a:lnRef idx="2">
+            <a:schemeClr val="accent6"/>
+          </a:lnRef>
+          <a:fillRef idx="1">
+            <a:schemeClr val="lt1"/>
+          </a:fillRef>
+          <a:effectRef idx="0">
+            <a:schemeClr val="accent6"/>
+          </a:effectRef>
+          <a:fontRef idx="minor">
+            <a:schemeClr val="dk1"/>
+          </a:fontRef>
+        </p:style>
+        <p:txBody>
+          <a:bodyPr rtlCol="0" anchor="ctr"/>
+          <a:lstStyle/>
+          <a:p>
+            <a:pPr algn="ctr"/>
+            <a:r>
+              <a:rPr lang="en-US" altLang="ko-KR" dirty="0" smtClean="0"/>
+              <a:t>5</a:t>
+            </a:r>
+            <a:endParaRPr lang="ko-KR" altLang="en-US" dirty="0"/>
+          </a:p>
+        </p:txBody>
+      </p:sp>
+      <p:sp>
+        <p:nvSpPr>
+          <p:cNvPr id="68" name="타원 67"/>
+          <p:cNvSpPr/>
+          <p:nvPr/>
+        </p:nvSpPr>
+        <p:spPr>
+          <a:xfrm>
+            <a:off x="2339752" y="908720"/>
+            <a:ext cx="504056" cy="504056"/>
+          </a:xfrm>
+          <a:prstGeom prst="ellipse">
+            <a:avLst/>
+          </a:prstGeom>
+        </p:spPr>
+        <p:style>
+          <a:lnRef idx="2">
+            <a:schemeClr val="accent6"/>
+          </a:lnRef>
+          <a:fillRef idx="1">
+            <a:schemeClr val="lt1"/>
+          </a:fillRef>
+          <a:effectRef idx="0">
+            <a:schemeClr val="accent6"/>
+          </a:effectRef>
+          <a:fontRef idx="minor">
+            <a:schemeClr val="dk1"/>
+          </a:fontRef>
+        </p:style>
+        <p:txBody>
+          <a:bodyPr rtlCol="0" anchor="ctr"/>
+          <a:lstStyle/>
+          <a:p>
+            <a:pPr algn="ctr"/>
+            <a:r>
+              <a:rPr lang="en-US" altLang="ko-KR" dirty="0" smtClean="0"/>
+              <a:t>6</a:t>
+            </a:r>
+            <a:endParaRPr lang="ko-KR" altLang="en-US" dirty="0"/>
+          </a:p>
+        </p:txBody>
+      </p:sp>
+      <p:sp>
+        <p:nvSpPr>
+          <p:cNvPr id="69" name="타원 68"/>
+          <p:cNvSpPr/>
+          <p:nvPr/>
+        </p:nvSpPr>
+        <p:spPr>
+          <a:xfrm>
+            <a:off x="6732240" y="1628800"/>
+            <a:ext cx="504056" cy="504056"/>
+          </a:xfrm>
+          <a:prstGeom prst="ellipse">
+            <a:avLst/>
+          </a:prstGeom>
+        </p:spPr>
+        <p:style>
+          <a:lnRef idx="2">
+            <a:schemeClr val="accent6"/>
+          </a:lnRef>
+          <a:fillRef idx="1">
+            <a:schemeClr val="lt1"/>
+          </a:fillRef>
+          <a:effectRef idx="0">
+            <a:schemeClr val="accent6"/>
+          </a:effectRef>
+          <a:fontRef idx="minor">
+            <a:schemeClr val="dk1"/>
+          </a:fontRef>
+        </p:style>
+        <p:txBody>
+          <a:bodyPr rtlCol="0" anchor="ctr"/>
+          <a:lstStyle/>
+          <a:p>
+            <a:pPr algn="ctr"/>
+            <a:r>
+              <a:rPr lang="en-US" altLang="ko-KR" dirty="0" smtClean="0"/>
+              <a:t>7</a:t>
+            </a:r>
+            <a:endParaRPr lang="ko-KR" altLang="en-US" dirty="0"/>
+          </a:p>
+        </p:txBody>
+      </p:sp>
+      <p:sp>
+        <p:nvSpPr>
+          <p:cNvPr id="70" name="타원 69"/>
+          <p:cNvSpPr/>
+          <p:nvPr/>
+        </p:nvSpPr>
+        <p:spPr>
+          <a:xfrm>
+            <a:off x="6156176" y="4941168"/>
+            <a:ext cx="504056" cy="504056"/>
+          </a:xfrm>
+          <a:prstGeom prst="ellipse">
+            <a:avLst/>
+          </a:prstGeom>
+        </p:spPr>
+        <p:style>
+          <a:lnRef idx="2">
+            <a:schemeClr val="accent6"/>
+          </a:lnRef>
+          <a:fillRef idx="1">
+            <a:schemeClr val="lt1"/>
+          </a:fillRef>
+          <a:effectRef idx="0">
+            <a:schemeClr val="accent6"/>
+          </a:effectRef>
+          <a:fontRef idx="minor">
+            <a:schemeClr val="dk1"/>
+          </a:fontRef>
+        </p:style>
+        <p:txBody>
+          <a:bodyPr rtlCol="0" anchor="ctr"/>
+          <a:lstStyle/>
+          <a:p>
+            <a:pPr algn="ctr"/>
+            <a:r>
+              <a:rPr lang="en-US" altLang="ko-KR" dirty="0" smtClean="0"/>
+              <a:t>8</a:t>
+            </a:r>
+            <a:endParaRPr lang="ko-KR" altLang="en-US" dirty="0"/>
+          </a:p>
+        </p:txBody>
+      </p:sp>
+      <p:sp>
+        <p:nvSpPr>
+          <p:cNvPr id="71" name="타원 70"/>
+          <p:cNvSpPr/>
+          <p:nvPr/>
+        </p:nvSpPr>
+        <p:spPr>
+          <a:xfrm>
+            <a:off x="4716016" y="4221088"/>
+            <a:ext cx="504056" cy="504056"/>
+          </a:xfrm>
+          <a:prstGeom prst="ellipse">
+            <a:avLst/>
+          </a:prstGeom>
+        </p:spPr>
+        <p:style>
+          <a:lnRef idx="2">
+            <a:schemeClr val="accent6"/>
+          </a:lnRef>
+          <a:fillRef idx="1">
+            <a:schemeClr val="lt1"/>
+          </a:fillRef>
+          <a:effectRef idx="0">
+            <a:schemeClr val="accent6"/>
+          </a:effectRef>
+          <a:fontRef idx="minor">
+            <a:schemeClr val="dk1"/>
+          </a:fontRef>
+        </p:style>
+        <p:txBody>
+          <a:bodyPr rtlCol="0" anchor="ctr"/>
+          <a:lstStyle/>
+          <a:p>
+            <a:pPr algn="ctr"/>
+            <a:r>
+              <a:rPr lang="en-US" altLang="ko-KR" dirty="0" smtClean="0"/>
+              <a:t>0</a:t>
+            </a:r>
+            <a:endParaRPr lang="ko-KR" altLang="en-US" dirty="0"/>
+          </a:p>
+        </p:txBody>
+      </p:sp>
+    </p:spTree>
   </p:cSld>
   <p:clrMapOvr>
     <a:masterClrMapping/>
